--- a/Powerpoint1.pptx
+++ b/Powerpoint1.pptx
@@ -268,7 +268,7 @@
           <a:bodyPr lIns="0" rIns="0" tIns="0" bIns="0" anchor="b"/>
           <a:p>
             <a:pPr algn="r"/>
-            <a:fld id="{B68BAB25-5280-4F2F-ADBA-9284B50027E3}" type="slidenum">
+            <a:fld id="{E85F9FB9-BEB4-440E-B5B7-4E2BD04E0134}" type="slidenum">
               <a:rPr b="0" lang="fr-FR" sz="1400" spc="-1" strike="noStrike">
                 <a:solidFill>
                   <a:srgbClr val="000000"/>
@@ -388,7 +388,7 @@
                 <a:spcPct val="100000"/>
               </a:lnSpc>
             </a:pPr>
-            <a:fld id="{6A5D705A-0183-43FA-81D1-3EA20FEB09B5}" type="slidenum">
+            <a:fld id="{1189566F-7ADE-4CE2-9AE5-80F18B62E135}" type="slidenum">
               <a:rPr b="0" lang="fr-FR" sz="1200" spc="-1" strike="noStrike">
                 <a:solidFill>
                   <a:srgbClr val="000000"/>
@@ -2820,7 +2820,7 @@
                 <a:latin typeface="Arial"/>
                 <a:ea typeface="DejaVu Sans"/>
               </a:rPr>
-              <a:t>  Garry </a:t>
+              <a:t>  Gary </a:t>
             </a:r>
             <a:r>
               <a:rPr b="1" lang="fr-FR" sz="2200" spc="-1" strike="noStrike">
@@ -3130,7 +3130,7 @@
                 <a:spcPct val="100000"/>
               </a:lnSpc>
             </a:pPr>
-            <a:fld id="{D5CC1687-BB78-41EE-A6AA-BEA43E136FC8}" type="slidenum">
+            <a:fld id="{CE83F7C7-8035-4BC1-8A18-8547EBB6DA2F}" type="slidenum">
               <a:rPr b="0" lang="fr-FR" sz="870" spc="-1" strike="noStrike">
                 <a:solidFill>
                   <a:srgbClr val="ffffff"/>
@@ -3142,7 +3142,7 @@
                 </a:uFill>
                 <a:latin typeface="Calibri"/>
               </a:rPr>
-              <a:t>1</a:t>
+              <a:t>&lt;numéro&gt;</a:t>
             </a:fld>
             <a:endParaRPr b="0" lang="fr-FR" sz="870" spc="-1" strike="noStrike">
               <a:solidFill>
@@ -3203,7 +3203,7 @@
                 </a:uFill>
                 <a:latin typeface="Calibri"/>
               </a:rPr>
-              <a:t>Garry Bernard, Yohan Garzotto, Gwendal Orinel, Alexandre Minaret, Olga Petit, Alexandre Seguin</a:t>
+              <a:t>Gary Bernard, Yohan Garzotto, Gwendal Orinel, Alexandre Minaret, Olga Petit, Alexandre Seguin</a:t>
             </a:r>
             <a:endParaRPr b="0" lang="fr-FR" sz="750" spc="-1" strike="noStrike">
               <a:solidFill>
@@ -3433,7 +3433,7 @@
                 <a:spcPct val="100000"/>
               </a:lnSpc>
             </a:pPr>
-            <a:fld id="{A75528F4-7B66-46EC-8666-663EAE43EB7A}" type="slidenum">
+            <a:fld id="{C1CDDE4B-133A-4831-B60F-41D9F0F060D6}" type="slidenum">
               <a:rPr b="0" lang="fr-FR" sz="870" spc="-1" strike="noStrike">
                 <a:solidFill>
                   <a:srgbClr val="ffffff"/>
@@ -3445,7 +3445,7 @@
                 </a:uFill>
                 <a:latin typeface="Calibri"/>
               </a:rPr>
-              <a:t>1</a:t>
+              <a:t>&lt;numéro&gt;</a:t>
             </a:fld>
             <a:endParaRPr b="0" lang="fr-FR" sz="870" spc="-1" strike="noStrike">
               <a:solidFill>
@@ -3712,7 +3712,7 @@
                 <a:spcPct val="100000"/>
               </a:lnSpc>
             </a:pPr>
-            <a:fld id="{19B98B4D-A578-4735-B483-27E7559D45AB}" type="slidenum">
+            <a:fld id="{EC22C5CE-F52A-41B2-863B-565A77DCE299}" type="slidenum">
               <a:rPr b="0" lang="fr-FR" sz="870" spc="-1" strike="noStrike">
                 <a:solidFill>
                   <a:srgbClr val="ffffff"/>
@@ -3724,7 +3724,7 @@
                 </a:uFill>
                 <a:latin typeface="Calibri"/>
               </a:rPr>
-              <a:t>1</a:t>
+              <a:t>&lt;numéro&gt;</a:t>
             </a:fld>
             <a:endParaRPr b="0" lang="fr-FR" sz="870" spc="-1" strike="noStrike">
               <a:solidFill>
@@ -4260,7 +4260,7 @@
                 <a:spcPct val="100000"/>
               </a:lnSpc>
             </a:pPr>
-            <a:fld id="{F89F853C-2570-4602-9AD8-A7476E2049FD}" type="slidenum">
+            <a:fld id="{43B32DE4-B044-4C87-9EE1-5D15CF2889AF}" type="slidenum">
               <a:rPr b="0" lang="fr-FR" sz="870" spc="-1" strike="noStrike">
                 <a:solidFill>
                   <a:srgbClr val="ffffff"/>
@@ -4272,7 +4272,7 @@
                 </a:uFill>
                 <a:latin typeface="Calibri"/>
               </a:rPr>
-              <a:t>1</a:t>
+              <a:t>&lt;numéro&gt;</a:t>
             </a:fld>
             <a:endParaRPr b="0" lang="fr-FR" sz="870" spc="-1" strike="noStrike">
               <a:solidFill>
@@ -4483,7 +4483,7 @@
                 <a:spcPct val="100000"/>
               </a:lnSpc>
             </a:pPr>
-            <a:fld id="{14A46D30-C87F-46B5-907C-A9C7412212DD}" type="slidenum">
+            <a:fld id="{9AF6ABFC-F002-405F-B383-EB40C1FD4622}" type="slidenum">
               <a:rPr b="0" lang="fr-FR" sz="870" spc="-1" strike="noStrike">
                 <a:solidFill>
                   <a:srgbClr val="ffffff"/>
@@ -4495,7 +4495,7 @@
                 </a:uFill>
                 <a:latin typeface="Calibri"/>
               </a:rPr>
-              <a:t>1</a:t>
+              <a:t>&lt;numéro&gt;</a:t>
             </a:fld>
             <a:endParaRPr b="0" lang="fr-FR" sz="870" spc="-1" strike="noStrike">
               <a:solidFill>
@@ -5608,7 +5608,7 @@
                 <a:spcPct val="100000"/>
               </a:lnSpc>
             </a:pPr>
-            <a:fld id="{25F2A655-D7E6-49D0-B227-FA73DFEC81F7}" type="slidenum">
+            <a:fld id="{714DD6ED-D690-4D3B-A2D2-6B492ED35653}" type="slidenum">
               <a:rPr b="0" lang="fr-FR" sz="870" spc="-1" strike="noStrike">
                 <a:solidFill>
                   <a:srgbClr val="ffffff"/>
@@ -5620,7 +5620,7 @@
                 </a:uFill>
                 <a:latin typeface="Calibri"/>
               </a:rPr>
-              <a:t>1</a:t>
+              <a:t>&lt;numéro&gt;</a:t>
             </a:fld>
             <a:endParaRPr b="0" lang="fr-FR" sz="870" spc="-1" strike="noStrike">
               <a:solidFill>
@@ -6280,7 +6280,7 @@
                 <a:spcPct val="100000"/>
               </a:lnSpc>
             </a:pPr>
-            <a:fld id="{5D606123-94D0-405C-8D2A-511DC43E01B8}" type="slidenum">
+            <a:fld id="{7A913770-BB9B-4C08-B374-98EBDC699EB1}" type="slidenum">
               <a:rPr b="0" lang="fr-FR" sz="870" spc="-1" strike="noStrike">
                 <a:solidFill>
                   <a:srgbClr val="ffffff"/>
@@ -6292,7 +6292,7 @@
                 </a:uFill>
                 <a:latin typeface="Calibri"/>
               </a:rPr>
-              <a:t>1</a:t>
+              <a:t>&lt;numéro&gt;</a:t>
             </a:fld>
             <a:endParaRPr b="0" lang="fr-FR" sz="870" spc="-1" strike="noStrike">
               <a:solidFill>
@@ -6801,7 +6801,7 @@
                 <a:spcPct val="100000"/>
               </a:lnSpc>
             </a:pPr>
-            <a:fld id="{CD252C96-DAC2-451C-9E69-62532BF1E240}" type="slidenum">
+            <a:fld id="{0DBD9E0C-A144-4708-96A8-27EC3E6BE995}" type="slidenum">
               <a:rPr b="0" lang="fr-FR" sz="870" spc="-1" strike="noStrike">
                 <a:solidFill>
                   <a:srgbClr val="ffffff"/>
@@ -6813,7 +6813,7 @@
                 </a:uFill>
                 <a:latin typeface="Calibri"/>
               </a:rPr>
-              <a:t>1</a:t>
+              <a:t>&lt;numéro&gt;</a:t>
             </a:fld>
             <a:endParaRPr b="0" lang="fr-FR" sz="870" spc="-1" strike="noStrike">
               <a:solidFill>
@@ -7182,7 +7182,7 @@
                 <a:spcPct val="100000"/>
               </a:lnSpc>
             </a:pPr>
-            <a:fld id="{C8BA2213-FAF6-4873-8617-D4A6FB6CD848}" type="slidenum">
+            <a:fld id="{65DEFD48-807D-4CE9-944A-EF9E5A1D8BBE}" type="slidenum">
               <a:rPr b="0" lang="fr-FR" sz="870" spc="-1" strike="noStrike">
                 <a:solidFill>
                   <a:srgbClr val="ffffff"/>
@@ -7194,7 +7194,7 @@
                 </a:uFill>
                 <a:latin typeface="Calibri"/>
               </a:rPr>
-              <a:t>1</a:t>
+              <a:t>&lt;numéro&gt;</a:t>
             </a:fld>
             <a:endParaRPr b="0" lang="fr-FR" sz="870" spc="-1" strike="noStrike">
               <a:solidFill>
@@ -7500,7 +7500,7 @@
                 <a:spcPct val="100000"/>
               </a:lnSpc>
             </a:pPr>
-            <a:fld id="{A6095815-B872-48F9-BA3C-EF94F0138BAB}" type="slidenum">
+            <a:fld id="{34B43110-B9AC-4843-AF0A-38131759138F}" type="slidenum">
               <a:rPr b="0" lang="fr-FR" sz="870" spc="-1" strike="noStrike">
                 <a:solidFill>
                   <a:srgbClr val="ffffff"/>
@@ -7512,7 +7512,7 @@
                 </a:uFill>
                 <a:latin typeface="Calibri"/>
               </a:rPr>
-              <a:t>1</a:t>
+              <a:t>&lt;numéro&gt;</a:t>
             </a:fld>
             <a:endParaRPr b="0" lang="fr-FR" sz="870" spc="-1" strike="noStrike">
               <a:solidFill>
@@ -7841,7 +7841,7 @@
                 <a:spcPct val="100000"/>
               </a:lnSpc>
             </a:pPr>
-            <a:fld id="{C1D8C7BC-FC34-46E6-B1CB-EB82DF512681}" type="slidenum">
+            <a:fld id="{433817C9-A1D5-4078-92BF-D21A65BF902F}" type="slidenum">
               <a:rPr b="0" lang="fr-FR" sz="870" spc="-1" strike="noStrike">
                 <a:solidFill>
                   <a:srgbClr val="ffffff"/>
@@ -7853,7 +7853,7 @@
                 </a:uFill>
                 <a:latin typeface="Calibri"/>
               </a:rPr>
-              <a:t>1</a:t>
+              <a:t>&lt;numéro&gt;</a:t>
             </a:fld>
             <a:endParaRPr b="0" lang="fr-FR" sz="870" spc="-1" strike="noStrike">
               <a:solidFill>
@@ -8160,7 +8160,7 @@
                 <a:spcPct val="100000"/>
               </a:lnSpc>
             </a:pPr>
-            <a:fld id="{FFA8DA71-C71B-4559-9D2B-9C27B812357F}" type="slidenum">
+            <a:fld id="{EE76E2BA-E1D2-4D19-9227-932C2B995A60}" type="slidenum">
               <a:rPr b="0" lang="fr-FR" sz="870" spc="-1" strike="noStrike">
                 <a:solidFill>
                   <a:srgbClr val="ffffff"/>
@@ -8172,7 +8172,7 @@
                 </a:uFill>
                 <a:latin typeface="Calibri"/>
               </a:rPr>
-              <a:t>1</a:t>
+              <a:t>&lt;numéro&gt;</a:t>
             </a:fld>
             <a:endParaRPr b="0" lang="fr-FR" sz="870" spc="-1" strike="noStrike">
               <a:solidFill>
@@ -8464,7 +8464,7 @@
                 <a:spcPct val="100000"/>
               </a:lnSpc>
             </a:pPr>
-            <a:fld id="{CF7F84DA-E239-4315-AD05-67C84C91BD81}" type="slidenum">
+            <a:fld id="{2D1E2F01-DBCC-446F-AA0F-1190E0E5573F}" type="slidenum">
               <a:rPr b="0" lang="fr-FR" sz="870" spc="-1" strike="noStrike">
                 <a:solidFill>
                   <a:srgbClr val="ffffff"/>
@@ -8476,7 +8476,7 @@
                 </a:uFill>
                 <a:latin typeface="Calibri"/>
               </a:rPr>
-              <a:t>1</a:t>
+              <a:t>&lt;numéro&gt;</a:t>
             </a:fld>
             <a:endParaRPr b="0" lang="fr-FR" sz="870" spc="-1" strike="noStrike">
               <a:solidFill>
